--- a/week-03/day-5/w3demo.pptx
+++ b/week-03/day-5/w3demo.pptx
@@ -9220,10 +9220,6 @@
               </a:rPr>
               <a:t>10binto10</a:t>
             </a:r>
-            <a:endParaRPr lang="hu-HU" sz="6200" b="1" dirty="0" smtClean="0">
-              <a:latin typeface="Consolas" panose="020B0609020204030204" pitchFamily="49" charset="0"/>
-              <a:cs typeface="Consolas" panose="020B0609020204030204" pitchFamily="49" charset="0"/>
-            </a:endParaRPr>
           </a:p>
           <a:p>
             <a:r>
@@ -9231,14 +9227,7 @@
                 <a:latin typeface="Consolas" panose="020B0609020204030204" pitchFamily="49" charset="0"/>
                 <a:cs typeface="Consolas" panose="020B0609020204030204" pitchFamily="49" charset="0"/>
               </a:rPr>
-              <a:t>-1.3+-</a:t>
-            </a:r>
-            <a:r>
-              <a:rPr lang="hu-HU" sz="6200" b="1" dirty="0" smtClean="0">
-                <a:latin typeface="Consolas" panose="020B0609020204030204" pitchFamily="49" charset="0"/>
-                <a:cs typeface="Consolas" panose="020B0609020204030204" pitchFamily="49" charset="0"/>
-              </a:rPr>
-              <a:t>1.7</a:t>
+              <a:t>-1.3+-1.7</a:t>
             </a:r>
           </a:p>
           <a:p>
@@ -9281,10 +9270,6 @@
               </a:rPr>
               <a:t> 0 5</a:t>
             </a:r>
-            <a:endParaRPr lang="hu-HU" sz="3200" b="1" dirty="0" smtClean="0">
-              <a:latin typeface="Consolas" panose="020B0609020204030204" pitchFamily="49" charset="0"/>
-              <a:cs typeface="Consolas" panose="020B0609020204030204" pitchFamily="49" charset="0"/>
-            </a:endParaRPr>
           </a:p>
           <a:p>
             <a:r>
@@ -9294,10 +9279,6 @@
               </a:rPr>
               <a:t> 1 6</a:t>
             </a:r>
-            <a:endParaRPr lang="hu-HU" sz="3200" b="1" dirty="0" smtClean="0">
-              <a:latin typeface="Consolas" panose="020B0609020204030204" pitchFamily="49" charset="0"/>
-              <a:cs typeface="Consolas" panose="020B0609020204030204" pitchFamily="49" charset="0"/>
-            </a:endParaRPr>
           </a:p>
           <a:p>
             <a:r>
@@ -9307,10 +9288,6 @@
               </a:rPr>
               <a:t> 2 7</a:t>
             </a:r>
-            <a:endParaRPr lang="hu-HU" sz="3200" b="1" dirty="0" smtClean="0">
-              <a:latin typeface="Consolas" panose="020B0609020204030204" pitchFamily="49" charset="0"/>
-              <a:cs typeface="Consolas" panose="020B0609020204030204" pitchFamily="49" charset="0"/>
-            </a:endParaRPr>
           </a:p>
           <a:p>
             <a:r>
@@ -9320,10 +9297,6 @@
               </a:rPr>
               <a:t> 3 8</a:t>
             </a:r>
-            <a:endParaRPr lang="hu-HU" sz="3200" b="1" dirty="0" smtClean="0">
-              <a:latin typeface="Consolas" panose="020B0609020204030204" pitchFamily="49" charset="0"/>
-              <a:cs typeface="Consolas" panose="020B0609020204030204" pitchFamily="49" charset="0"/>
-            </a:endParaRPr>
           </a:p>
           <a:p>
             <a:r>
@@ -9331,14 +9304,7 @@
                 <a:latin typeface="Consolas" panose="020B0609020204030204" pitchFamily="49" charset="0"/>
                 <a:cs typeface="Consolas" panose="020B0609020204030204" pitchFamily="49" charset="0"/>
               </a:rPr>
-              <a:t> 4 9 </a:t>
-            </a:r>
-            <a:r>
-              <a:rPr lang="hu-HU" sz="3200" b="1" dirty="0" smtClean="0">
-                <a:latin typeface="Consolas" panose="020B0609020204030204" pitchFamily="49" charset="0"/>
-                <a:cs typeface="Consolas" panose="020B0609020204030204" pitchFamily="49" charset="0"/>
-              </a:rPr>
-              <a:t> </a:t>
+              <a:t> 4 9  </a:t>
             </a:r>
             <a:endParaRPr lang="hu-HU" sz="2400" b="1" dirty="0" smtClean="0">
               <a:latin typeface="Consolas" panose="020B0609020204030204" pitchFamily="49" charset="0"/>
@@ -9432,19 +9398,18 @@
                 <a:latin typeface="Consolas" panose="020B0609020204030204" pitchFamily="49" charset="0"/>
                 <a:cs typeface="Consolas" panose="020B0609020204030204" pitchFamily="49" charset="0"/>
               </a:rPr>
-              <a:t>0 </a:t>
-            </a:r>
+              <a:t>0 5 A </a:t>
+            </a:r>
+          </a:p>
+          <a:p>
+            <a:pPr algn="ctr"/>
             <a:r>
               <a:rPr lang="hu-HU" sz="3200" b="1" dirty="0" smtClean="0">
                 <a:latin typeface="Consolas" panose="020B0609020204030204" pitchFamily="49" charset="0"/>
                 <a:cs typeface="Consolas" panose="020B0609020204030204" pitchFamily="49" charset="0"/>
               </a:rPr>
-              <a:t>5 A </a:t>
-            </a:r>
-            <a:endParaRPr lang="hu-HU" sz="3200" b="1" dirty="0" smtClean="0">
-              <a:latin typeface="Consolas" panose="020B0609020204030204" pitchFamily="49" charset="0"/>
-              <a:cs typeface="Consolas" panose="020B0609020204030204" pitchFamily="49" charset="0"/>
-            </a:endParaRPr>
+              <a:t>1 6 B</a:t>
+            </a:r>
           </a:p>
           <a:p>
             <a:pPr algn="ctr"/>
@@ -9453,19 +9418,18 @@
                 <a:latin typeface="Consolas" panose="020B0609020204030204" pitchFamily="49" charset="0"/>
                 <a:cs typeface="Consolas" panose="020B0609020204030204" pitchFamily="49" charset="0"/>
               </a:rPr>
-              <a:t>1 </a:t>
-            </a:r>
+              <a:t>2 7 C</a:t>
+            </a:r>
+          </a:p>
+          <a:p>
+            <a:pPr algn="ctr"/>
             <a:r>
               <a:rPr lang="hu-HU" sz="3200" b="1" dirty="0" smtClean="0">
                 <a:latin typeface="Consolas" panose="020B0609020204030204" pitchFamily="49" charset="0"/>
                 <a:cs typeface="Consolas" panose="020B0609020204030204" pitchFamily="49" charset="0"/>
               </a:rPr>
-              <a:t>6 B</a:t>
-            </a:r>
-            <a:endParaRPr lang="hu-HU" sz="3200" b="1" dirty="0" smtClean="0">
-              <a:latin typeface="Consolas" panose="020B0609020204030204" pitchFamily="49" charset="0"/>
-              <a:cs typeface="Consolas" panose="020B0609020204030204" pitchFamily="49" charset="0"/>
-            </a:endParaRPr>
+              <a:t>3 8 D</a:t>
+            </a:r>
           </a:p>
           <a:p>
             <a:pPr algn="ctr"/>
@@ -9474,61 +9438,8 @@
                 <a:latin typeface="Consolas" panose="020B0609020204030204" pitchFamily="49" charset="0"/>
                 <a:cs typeface="Consolas" panose="020B0609020204030204" pitchFamily="49" charset="0"/>
               </a:rPr>
-              <a:t>2 </a:t>
-            </a:r>
-            <a:r>
-              <a:rPr lang="hu-HU" sz="3200" b="1" dirty="0" smtClean="0">
-                <a:latin typeface="Consolas" panose="020B0609020204030204" pitchFamily="49" charset="0"/>
-                <a:cs typeface="Consolas" panose="020B0609020204030204" pitchFamily="49" charset="0"/>
-              </a:rPr>
-              <a:t>7 C</a:t>
-            </a:r>
-            <a:endParaRPr lang="hu-HU" sz="3200" b="1" dirty="0" smtClean="0">
-              <a:latin typeface="Consolas" panose="020B0609020204030204" pitchFamily="49" charset="0"/>
-              <a:cs typeface="Consolas" panose="020B0609020204030204" pitchFamily="49" charset="0"/>
-            </a:endParaRPr>
-          </a:p>
-          <a:p>
-            <a:pPr algn="ctr"/>
-            <a:r>
-              <a:rPr lang="hu-HU" sz="3200" b="1" dirty="0" smtClean="0">
-                <a:latin typeface="Consolas" panose="020B0609020204030204" pitchFamily="49" charset="0"/>
-                <a:cs typeface="Consolas" panose="020B0609020204030204" pitchFamily="49" charset="0"/>
-              </a:rPr>
-              <a:t>3 </a:t>
-            </a:r>
-            <a:r>
-              <a:rPr lang="hu-HU" sz="3200" b="1" dirty="0" smtClean="0">
-                <a:latin typeface="Consolas" panose="020B0609020204030204" pitchFamily="49" charset="0"/>
-                <a:cs typeface="Consolas" panose="020B0609020204030204" pitchFamily="49" charset="0"/>
-              </a:rPr>
-              <a:t>8 D</a:t>
-            </a:r>
-            <a:endParaRPr lang="hu-HU" sz="3200" b="1" dirty="0" smtClean="0">
-              <a:latin typeface="Consolas" panose="020B0609020204030204" pitchFamily="49" charset="0"/>
-              <a:cs typeface="Consolas" panose="020B0609020204030204" pitchFamily="49" charset="0"/>
-            </a:endParaRPr>
-          </a:p>
-          <a:p>
-            <a:pPr algn="ctr"/>
-            <a:r>
-              <a:rPr lang="hu-HU" sz="3200" b="1" dirty="0" smtClean="0">
-                <a:latin typeface="Consolas" panose="020B0609020204030204" pitchFamily="49" charset="0"/>
-                <a:cs typeface="Consolas" panose="020B0609020204030204" pitchFamily="49" charset="0"/>
-              </a:rPr>
-              <a:t>4 </a:t>
-            </a:r>
-            <a:r>
-              <a:rPr lang="hu-HU" sz="3200" b="1" dirty="0" smtClean="0">
-                <a:latin typeface="Consolas" panose="020B0609020204030204" pitchFamily="49" charset="0"/>
-                <a:cs typeface="Consolas" panose="020B0609020204030204" pitchFamily="49" charset="0"/>
-              </a:rPr>
-              <a:t>9 E</a:t>
-            </a:r>
-            <a:endParaRPr lang="hu-HU" sz="3200" b="1" dirty="0" smtClean="0">
-              <a:latin typeface="Consolas" panose="020B0609020204030204" pitchFamily="49" charset="0"/>
-              <a:cs typeface="Consolas" panose="020B0609020204030204" pitchFamily="49" charset="0"/>
-            </a:endParaRPr>
+              <a:t>4 9 E</a:t>
+            </a:r>
           </a:p>
           <a:p>
             <a:pPr algn="ctr"/>
@@ -9578,10 +9489,6 @@
               </a:rPr>
               <a:t>0 </a:t>
             </a:r>
-            <a:endParaRPr lang="hu-HU" sz="3200" b="1" dirty="0" smtClean="0">
-              <a:latin typeface="Consolas" panose="020B0609020204030204" pitchFamily="49" charset="0"/>
-              <a:cs typeface="Consolas" panose="020B0609020204030204" pitchFamily="49" charset="0"/>
-            </a:endParaRPr>
           </a:p>
           <a:p>
             <a:pPr algn="ctr"/>
@@ -9592,10 +9499,6 @@
               </a:rPr>
               <a:t>1</a:t>
             </a:r>
-            <a:endParaRPr lang="hu-HU" sz="3200" b="1" dirty="0" smtClean="0">
-              <a:latin typeface="Consolas" panose="020B0609020204030204" pitchFamily="49" charset="0"/>
-              <a:cs typeface="Consolas" panose="020B0609020204030204" pitchFamily="49" charset="0"/>
-            </a:endParaRPr>
           </a:p>
         </p:txBody>
       </p:sp>
@@ -12157,7 +12060,7 @@
         </p:nvSpPr>
         <p:spPr>
           <a:xfrm>
-            <a:off x="3851920" y="5406896"/>
+            <a:off x="3851920" y="5373216"/>
             <a:ext cx="4123245" cy="1046440"/>
           </a:xfrm>
           <a:prstGeom prst="rect">
@@ -13003,545 +12906,6 @@
           </a:p>
         </p:txBody>
       </p:sp>
-      <p:sp>
-        <p:nvSpPr>
-          <p:cNvPr id="43" name="Téglalap 42"/>
-          <p:cNvSpPr/>
-          <p:nvPr/>
-        </p:nvSpPr>
-        <p:spPr>
-          <a:xfrm>
-            <a:off x="3883293" y="5373216"/>
-            <a:ext cx="4123245" cy="1046440"/>
-          </a:xfrm>
-          <a:prstGeom prst="rect">
-            <a:avLst/>
-          </a:prstGeom>
-        </p:spPr>
-        <p:txBody>
-          <a:bodyPr wrap="none">
-            <a:spAutoFit/>
-          </a:bodyPr>
-          <a:lstStyle/>
-          <a:p>
-            <a:pPr algn="ctr"/>
-            <a:r>
-              <a:rPr lang="hu-HU" sz="6200" b="1" dirty="0">
-                <a:latin typeface="Consolas" panose="020B0609020204030204" pitchFamily="49" charset="0"/>
-                <a:cs typeface="Consolas" panose="020B0609020204030204" pitchFamily="49" charset="0"/>
-              </a:rPr>
-              <a:t>-</a:t>
-            </a:r>
-            <a:r>
-              <a:rPr lang="hu-HU" sz="6200" b="1" dirty="0" smtClean="0">
-                <a:latin typeface="Consolas" panose="020B0609020204030204" pitchFamily="49" charset="0"/>
-                <a:cs typeface="Consolas" panose="020B0609020204030204" pitchFamily="49" charset="0"/>
-              </a:rPr>
-              <a:t>1.3--</a:t>
-            </a:r>
-            <a:r>
-              <a:rPr lang="hu-HU" sz="6200" b="1" dirty="0">
-                <a:latin typeface="Consolas" panose="020B0609020204030204" pitchFamily="49" charset="0"/>
-                <a:cs typeface="Consolas" panose="020B0609020204030204" pitchFamily="49" charset="0"/>
-              </a:rPr>
-              <a:t>1.7</a:t>
-            </a:r>
-          </a:p>
-        </p:txBody>
-      </p:sp>
-      <p:grpSp>
-        <p:nvGrpSpPr>
-          <p:cNvPr id="44" name="Csoportba foglalás 43"/>
-          <p:cNvGrpSpPr/>
-          <p:nvPr/>
-        </p:nvGrpSpPr>
-        <p:grpSpPr>
-          <a:xfrm>
-            <a:off x="3974090" y="5503414"/>
-            <a:ext cx="3888432" cy="772226"/>
-            <a:chOff x="2627784" y="4600990"/>
-            <a:chExt cx="3888432" cy="772226"/>
-          </a:xfrm>
-        </p:grpSpPr>
-        <p:sp>
-          <p:nvSpPr>
-            <p:cNvPr id="45" name="Téglalap 44"/>
-            <p:cNvSpPr/>
-            <p:nvPr/>
-          </p:nvSpPr>
-          <p:spPr>
-            <a:xfrm>
-              <a:off x="2627784" y="4600990"/>
-              <a:ext cx="432048" cy="772226"/>
-            </a:xfrm>
-            <a:prstGeom prst="rect">
-              <a:avLst/>
-            </a:prstGeom>
-            <a:noFill/>
-            <a:ln w="38100">
-              <a:solidFill>
-                <a:schemeClr val="bg1">
-                  <a:lumMod val="85000"/>
-                </a:schemeClr>
-              </a:solidFill>
-            </a:ln>
-          </p:spPr>
-          <p:style>
-            <a:lnRef idx="2">
-              <a:schemeClr val="accent1">
-                <a:shade val="50000"/>
-              </a:schemeClr>
-            </a:lnRef>
-            <a:fillRef idx="1">
-              <a:schemeClr val="accent1"/>
-            </a:fillRef>
-            <a:effectRef idx="0">
-              <a:schemeClr val="accent1"/>
-            </a:effectRef>
-            <a:fontRef idx="minor">
-              <a:schemeClr val="lt1"/>
-            </a:fontRef>
-          </p:style>
-          <p:txBody>
-            <a:bodyPr rtlCol="0" anchor="ctr"/>
-            <a:lstStyle/>
-            <a:p>
-              <a:pPr algn="ctr"/>
-              <a:endParaRPr lang="hu-HU"/>
-            </a:p>
-          </p:txBody>
-        </p:sp>
-        <p:sp>
-          <p:nvSpPr>
-            <p:cNvPr id="46" name="Téglalap 45"/>
-            <p:cNvSpPr/>
-            <p:nvPr/>
-          </p:nvSpPr>
-          <p:spPr>
-            <a:xfrm>
-              <a:off x="3059832" y="4600990"/>
-              <a:ext cx="432048" cy="772226"/>
-            </a:xfrm>
-            <a:prstGeom prst="rect">
-              <a:avLst/>
-            </a:prstGeom>
-            <a:noFill/>
-            <a:ln w="38100">
-              <a:solidFill>
-                <a:schemeClr val="bg1">
-                  <a:lumMod val="85000"/>
-                </a:schemeClr>
-              </a:solidFill>
-            </a:ln>
-          </p:spPr>
-          <p:style>
-            <a:lnRef idx="2">
-              <a:schemeClr val="accent1">
-                <a:shade val="50000"/>
-              </a:schemeClr>
-            </a:lnRef>
-            <a:fillRef idx="1">
-              <a:schemeClr val="accent1"/>
-            </a:fillRef>
-            <a:effectRef idx="0">
-              <a:schemeClr val="accent1"/>
-            </a:effectRef>
-            <a:fontRef idx="minor">
-              <a:schemeClr val="lt1"/>
-            </a:fontRef>
-          </p:style>
-          <p:txBody>
-            <a:bodyPr rtlCol="0" anchor="ctr"/>
-            <a:lstStyle/>
-            <a:p>
-              <a:pPr algn="ctr"/>
-              <a:endParaRPr lang="hu-HU"/>
-            </a:p>
-          </p:txBody>
-        </p:sp>
-        <p:sp>
-          <p:nvSpPr>
-            <p:cNvPr id="47" name="Téglalap 46"/>
-            <p:cNvSpPr/>
-            <p:nvPr/>
-          </p:nvSpPr>
-          <p:spPr>
-            <a:xfrm>
-              <a:off x="3491880" y="4600990"/>
-              <a:ext cx="432048" cy="772226"/>
-            </a:xfrm>
-            <a:prstGeom prst="rect">
-              <a:avLst/>
-            </a:prstGeom>
-            <a:noFill/>
-            <a:ln w="38100">
-              <a:solidFill>
-                <a:schemeClr val="bg1">
-                  <a:lumMod val="85000"/>
-                </a:schemeClr>
-              </a:solidFill>
-            </a:ln>
-          </p:spPr>
-          <p:style>
-            <a:lnRef idx="2">
-              <a:schemeClr val="accent1">
-                <a:shade val="50000"/>
-              </a:schemeClr>
-            </a:lnRef>
-            <a:fillRef idx="1">
-              <a:schemeClr val="accent1"/>
-            </a:fillRef>
-            <a:effectRef idx="0">
-              <a:schemeClr val="accent1"/>
-            </a:effectRef>
-            <a:fontRef idx="minor">
-              <a:schemeClr val="lt1"/>
-            </a:fontRef>
-          </p:style>
-          <p:txBody>
-            <a:bodyPr rtlCol="0" anchor="ctr"/>
-            <a:lstStyle/>
-            <a:p>
-              <a:pPr algn="ctr"/>
-              <a:endParaRPr lang="hu-HU"/>
-            </a:p>
-          </p:txBody>
-        </p:sp>
-        <p:sp>
-          <p:nvSpPr>
-            <p:cNvPr id="48" name="Téglalap 47"/>
-            <p:cNvSpPr/>
-            <p:nvPr/>
-          </p:nvSpPr>
-          <p:spPr>
-            <a:xfrm>
-              <a:off x="3923928" y="4600990"/>
-              <a:ext cx="432048" cy="772226"/>
-            </a:xfrm>
-            <a:prstGeom prst="rect">
-              <a:avLst/>
-            </a:prstGeom>
-            <a:noFill/>
-            <a:ln w="38100">
-              <a:solidFill>
-                <a:schemeClr val="bg1">
-                  <a:lumMod val="85000"/>
-                </a:schemeClr>
-              </a:solidFill>
-            </a:ln>
-          </p:spPr>
-          <p:style>
-            <a:lnRef idx="2">
-              <a:schemeClr val="accent1">
-                <a:shade val="50000"/>
-              </a:schemeClr>
-            </a:lnRef>
-            <a:fillRef idx="1">
-              <a:schemeClr val="accent1"/>
-            </a:fillRef>
-            <a:effectRef idx="0">
-              <a:schemeClr val="accent1"/>
-            </a:effectRef>
-            <a:fontRef idx="minor">
-              <a:schemeClr val="lt1"/>
-            </a:fontRef>
-          </p:style>
-          <p:txBody>
-            <a:bodyPr rtlCol="0" anchor="ctr"/>
-            <a:lstStyle/>
-            <a:p>
-              <a:pPr algn="ctr"/>
-              <a:endParaRPr lang="hu-HU"/>
-            </a:p>
-          </p:txBody>
-        </p:sp>
-        <p:sp>
-          <p:nvSpPr>
-            <p:cNvPr id="49" name="Téglalap 48"/>
-            <p:cNvSpPr/>
-            <p:nvPr/>
-          </p:nvSpPr>
-          <p:spPr>
-            <a:xfrm>
-              <a:off x="4355976" y="4600990"/>
-              <a:ext cx="432048" cy="772226"/>
-            </a:xfrm>
-            <a:prstGeom prst="rect">
-              <a:avLst/>
-            </a:prstGeom>
-            <a:noFill/>
-            <a:ln w="38100">
-              <a:solidFill>
-                <a:schemeClr val="bg1">
-                  <a:lumMod val="85000"/>
-                </a:schemeClr>
-              </a:solidFill>
-            </a:ln>
-          </p:spPr>
-          <p:style>
-            <a:lnRef idx="2">
-              <a:schemeClr val="accent1">
-                <a:shade val="50000"/>
-              </a:schemeClr>
-            </a:lnRef>
-            <a:fillRef idx="1">
-              <a:schemeClr val="accent1"/>
-            </a:fillRef>
-            <a:effectRef idx="0">
-              <a:schemeClr val="accent1"/>
-            </a:effectRef>
-            <a:fontRef idx="minor">
-              <a:schemeClr val="lt1"/>
-            </a:fontRef>
-          </p:style>
-          <p:txBody>
-            <a:bodyPr rtlCol="0" anchor="ctr"/>
-            <a:lstStyle/>
-            <a:p>
-              <a:pPr algn="ctr"/>
-              <a:endParaRPr lang="hu-HU"/>
-            </a:p>
-          </p:txBody>
-        </p:sp>
-        <p:sp>
-          <p:nvSpPr>
-            <p:cNvPr id="50" name="Téglalap 49"/>
-            <p:cNvSpPr/>
-            <p:nvPr/>
-          </p:nvSpPr>
-          <p:spPr>
-            <a:xfrm>
-              <a:off x="4788024" y="4600990"/>
-              <a:ext cx="432048" cy="772226"/>
-            </a:xfrm>
-            <a:prstGeom prst="rect">
-              <a:avLst/>
-            </a:prstGeom>
-            <a:noFill/>
-            <a:ln w="38100">
-              <a:solidFill>
-                <a:schemeClr val="bg1">
-                  <a:lumMod val="85000"/>
-                </a:schemeClr>
-              </a:solidFill>
-            </a:ln>
-          </p:spPr>
-          <p:style>
-            <a:lnRef idx="2">
-              <a:schemeClr val="accent1">
-                <a:shade val="50000"/>
-              </a:schemeClr>
-            </a:lnRef>
-            <a:fillRef idx="1">
-              <a:schemeClr val="accent1"/>
-            </a:fillRef>
-            <a:effectRef idx="0">
-              <a:schemeClr val="accent1"/>
-            </a:effectRef>
-            <a:fontRef idx="minor">
-              <a:schemeClr val="lt1"/>
-            </a:fontRef>
-          </p:style>
-          <p:txBody>
-            <a:bodyPr rtlCol="0" anchor="ctr"/>
-            <a:lstStyle/>
-            <a:p>
-              <a:pPr algn="ctr"/>
-              <a:endParaRPr lang="hu-HU"/>
-            </a:p>
-          </p:txBody>
-        </p:sp>
-        <p:sp>
-          <p:nvSpPr>
-            <p:cNvPr id="51" name="Téglalap 50"/>
-            <p:cNvSpPr/>
-            <p:nvPr/>
-          </p:nvSpPr>
-          <p:spPr>
-            <a:xfrm>
-              <a:off x="5220072" y="4600990"/>
-              <a:ext cx="432048" cy="772226"/>
-            </a:xfrm>
-            <a:prstGeom prst="rect">
-              <a:avLst/>
-            </a:prstGeom>
-            <a:noFill/>
-            <a:ln w="38100">
-              <a:solidFill>
-                <a:schemeClr val="bg1">
-                  <a:lumMod val="85000"/>
-                </a:schemeClr>
-              </a:solidFill>
-            </a:ln>
-          </p:spPr>
-          <p:style>
-            <a:lnRef idx="2">
-              <a:schemeClr val="accent1">
-                <a:shade val="50000"/>
-              </a:schemeClr>
-            </a:lnRef>
-            <a:fillRef idx="1">
-              <a:schemeClr val="accent1"/>
-            </a:fillRef>
-            <a:effectRef idx="0">
-              <a:schemeClr val="accent1"/>
-            </a:effectRef>
-            <a:fontRef idx="minor">
-              <a:schemeClr val="lt1"/>
-            </a:fontRef>
-          </p:style>
-          <p:txBody>
-            <a:bodyPr rtlCol="0" anchor="ctr"/>
-            <a:lstStyle/>
-            <a:p>
-              <a:pPr algn="ctr"/>
-              <a:endParaRPr lang="hu-HU"/>
-            </a:p>
-          </p:txBody>
-        </p:sp>
-        <p:sp>
-          <p:nvSpPr>
-            <p:cNvPr id="52" name="Téglalap 51"/>
-            <p:cNvSpPr/>
-            <p:nvPr/>
-          </p:nvSpPr>
-          <p:spPr>
-            <a:xfrm>
-              <a:off x="5652120" y="4600990"/>
-              <a:ext cx="432048" cy="772226"/>
-            </a:xfrm>
-            <a:prstGeom prst="rect">
-              <a:avLst/>
-            </a:prstGeom>
-            <a:noFill/>
-            <a:ln w="38100">
-              <a:solidFill>
-                <a:schemeClr val="bg1">
-                  <a:lumMod val="85000"/>
-                </a:schemeClr>
-              </a:solidFill>
-            </a:ln>
-          </p:spPr>
-          <p:style>
-            <a:lnRef idx="2">
-              <a:schemeClr val="accent1">
-                <a:shade val="50000"/>
-              </a:schemeClr>
-            </a:lnRef>
-            <a:fillRef idx="1">
-              <a:schemeClr val="accent1"/>
-            </a:fillRef>
-            <a:effectRef idx="0">
-              <a:schemeClr val="accent1"/>
-            </a:effectRef>
-            <a:fontRef idx="minor">
-              <a:schemeClr val="lt1"/>
-            </a:fontRef>
-          </p:style>
-          <p:txBody>
-            <a:bodyPr rtlCol="0" anchor="ctr"/>
-            <a:lstStyle/>
-            <a:p>
-              <a:pPr algn="ctr"/>
-              <a:endParaRPr lang="hu-HU"/>
-            </a:p>
-          </p:txBody>
-        </p:sp>
-        <p:sp>
-          <p:nvSpPr>
-            <p:cNvPr id="53" name="Téglalap 52"/>
-            <p:cNvSpPr/>
-            <p:nvPr/>
-          </p:nvSpPr>
-          <p:spPr>
-            <a:xfrm>
-              <a:off x="6084168" y="4600990"/>
-              <a:ext cx="432048" cy="772226"/>
-            </a:xfrm>
-            <a:prstGeom prst="rect">
-              <a:avLst/>
-            </a:prstGeom>
-            <a:noFill/>
-            <a:ln w="38100">
-              <a:solidFill>
-                <a:schemeClr val="bg1">
-                  <a:lumMod val="85000"/>
-                </a:schemeClr>
-              </a:solidFill>
-            </a:ln>
-          </p:spPr>
-          <p:style>
-            <a:lnRef idx="2">
-              <a:schemeClr val="accent1">
-                <a:shade val="50000"/>
-              </a:schemeClr>
-            </a:lnRef>
-            <a:fillRef idx="1">
-              <a:schemeClr val="accent1"/>
-            </a:fillRef>
-            <a:effectRef idx="0">
-              <a:schemeClr val="accent1"/>
-            </a:effectRef>
-            <a:fontRef idx="minor">
-              <a:schemeClr val="lt1"/>
-            </a:fontRef>
-          </p:style>
-          <p:txBody>
-            <a:bodyPr rtlCol="0" anchor="ctr"/>
-            <a:lstStyle/>
-            <a:p>
-              <a:pPr algn="ctr"/>
-              <a:endParaRPr lang="hu-HU"/>
-            </a:p>
-          </p:txBody>
-        </p:sp>
-      </p:grpSp>
-      <p:sp>
-        <p:nvSpPr>
-          <p:cNvPr id="32" name="Téglalap 31"/>
-          <p:cNvSpPr/>
-          <p:nvPr/>
-        </p:nvSpPr>
-        <p:spPr>
-          <a:xfrm>
-            <a:off x="3985906" y="5510323"/>
-            <a:ext cx="410202" cy="772226"/>
-          </a:xfrm>
-          <a:prstGeom prst="rect">
-            <a:avLst/>
-          </a:prstGeom>
-          <a:noFill/>
-          <a:ln w="38100">
-            <a:solidFill>
-              <a:srgbClr val="FF0000"/>
-            </a:solidFill>
-          </a:ln>
-        </p:spPr>
-        <p:style>
-          <a:lnRef idx="2">
-            <a:schemeClr val="accent1">
-              <a:shade val="50000"/>
-            </a:schemeClr>
-          </a:lnRef>
-          <a:fillRef idx="1">
-            <a:schemeClr val="accent1"/>
-          </a:fillRef>
-          <a:effectRef idx="0">
-            <a:schemeClr val="accent1"/>
-          </a:effectRef>
-          <a:fontRef idx="minor">
-            <a:schemeClr val="lt1"/>
-          </a:fontRef>
-        </p:style>
-        <p:txBody>
-          <a:bodyPr rtlCol="0" anchor="ctr"/>
-          <a:lstStyle/>
-          <a:p>
-            <a:pPr algn="ctr"/>
-            <a:endParaRPr lang="hu-HU"/>
-          </a:p>
-        </p:txBody>
-      </p:sp>
       <p:grpSp>
         <p:nvGrpSpPr>
           <p:cNvPr id="3" name="Csoportba foglalás 2"/>
@@ -13778,6 +13142,545 @@
               <a:t>5</a:t>
             </a:r>
             <a:endParaRPr lang="hu-HU" dirty="0"/>
+          </a:p>
+        </p:txBody>
+      </p:sp>
+      <p:grpSp>
+        <p:nvGrpSpPr>
+          <p:cNvPr id="25" name="Csoportba foglalás 24"/>
+          <p:cNvGrpSpPr/>
+          <p:nvPr/>
+        </p:nvGrpSpPr>
+        <p:grpSpPr>
+          <a:xfrm>
+            <a:off x="3974090" y="5503414"/>
+            <a:ext cx="3888432" cy="772226"/>
+            <a:chOff x="2627784" y="4600990"/>
+            <a:chExt cx="3888432" cy="772226"/>
+          </a:xfrm>
+        </p:grpSpPr>
+        <p:sp>
+          <p:nvSpPr>
+            <p:cNvPr id="26" name="Téglalap 25"/>
+            <p:cNvSpPr/>
+            <p:nvPr/>
+          </p:nvSpPr>
+          <p:spPr>
+            <a:xfrm>
+              <a:off x="2627784" y="4600990"/>
+              <a:ext cx="432048" cy="772226"/>
+            </a:xfrm>
+            <a:prstGeom prst="rect">
+              <a:avLst/>
+            </a:prstGeom>
+            <a:noFill/>
+            <a:ln w="38100">
+              <a:solidFill>
+                <a:schemeClr val="bg1">
+                  <a:lumMod val="85000"/>
+                </a:schemeClr>
+              </a:solidFill>
+            </a:ln>
+          </p:spPr>
+          <p:style>
+            <a:lnRef idx="2">
+              <a:schemeClr val="accent1">
+                <a:shade val="50000"/>
+              </a:schemeClr>
+            </a:lnRef>
+            <a:fillRef idx="1">
+              <a:schemeClr val="accent1"/>
+            </a:fillRef>
+            <a:effectRef idx="0">
+              <a:schemeClr val="accent1"/>
+            </a:effectRef>
+            <a:fontRef idx="minor">
+              <a:schemeClr val="lt1"/>
+            </a:fontRef>
+          </p:style>
+          <p:txBody>
+            <a:bodyPr rtlCol="0" anchor="ctr"/>
+            <a:lstStyle/>
+            <a:p>
+              <a:pPr algn="ctr"/>
+              <a:endParaRPr lang="hu-HU"/>
+            </a:p>
+          </p:txBody>
+        </p:sp>
+        <p:sp>
+          <p:nvSpPr>
+            <p:cNvPr id="27" name="Téglalap 26"/>
+            <p:cNvSpPr/>
+            <p:nvPr/>
+          </p:nvSpPr>
+          <p:spPr>
+            <a:xfrm>
+              <a:off x="3059832" y="4600990"/>
+              <a:ext cx="432048" cy="772226"/>
+            </a:xfrm>
+            <a:prstGeom prst="rect">
+              <a:avLst/>
+            </a:prstGeom>
+            <a:noFill/>
+            <a:ln w="38100">
+              <a:solidFill>
+                <a:schemeClr val="bg1">
+                  <a:lumMod val="85000"/>
+                </a:schemeClr>
+              </a:solidFill>
+            </a:ln>
+          </p:spPr>
+          <p:style>
+            <a:lnRef idx="2">
+              <a:schemeClr val="accent1">
+                <a:shade val="50000"/>
+              </a:schemeClr>
+            </a:lnRef>
+            <a:fillRef idx="1">
+              <a:schemeClr val="accent1"/>
+            </a:fillRef>
+            <a:effectRef idx="0">
+              <a:schemeClr val="accent1"/>
+            </a:effectRef>
+            <a:fontRef idx="minor">
+              <a:schemeClr val="lt1"/>
+            </a:fontRef>
+          </p:style>
+          <p:txBody>
+            <a:bodyPr rtlCol="0" anchor="ctr"/>
+            <a:lstStyle/>
+            <a:p>
+              <a:pPr algn="ctr"/>
+              <a:endParaRPr lang="hu-HU"/>
+            </a:p>
+          </p:txBody>
+        </p:sp>
+        <p:sp>
+          <p:nvSpPr>
+            <p:cNvPr id="28" name="Téglalap 27"/>
+            <p:cNvSpPr/>
+            <p:nvPr/>
+          </p:nvSpPr>
+          <p:spPr>
+            <a:xfrm>
+              <a:off x="3491880" y="4600990"/>
+              <a:ext cx="432048" cy="772226"/>
+            </a:xfrm>
+            <a:prstGeom prst="rect">
+              <a:avLst/>
+            </a:prstGeom>
+            <a:noFill/>
+            <a:ln w="38100">
+              <a:solidFill>
+                <a:schemeClr val="bg1">
+                  <a:lumMod val="85000"/>
+                </a:schemeClr>
+              </a:solidFill>
+            </a:ln>
+          </p:spPr>
+          <p:style>
+            <a:lnRef idx="2">
+              <a:schemeClr val="accent1">
+                <a:shade val="50000"/>
+              </a:schemeClr>
+            </a:lnRef>
+            <a:fillRef idx="1">
+              <a:schemeClr val="accent1"/>
+            </a:fillRef>
+            <a:effectRef idx="0">
+              <a:schemeClr val="accent1"/>
+            </a:effectRef>
+            <a:fontRef idx="minor">
+              <a:schemeClr val="lt1"/>
+            </a:fontRef>
+          </p:style>
+          <p:txBody>
+            <a:bodyPr rtlCol="0" anchor="ctr"/>
+            <a:lstStyle/>
+            <a:p>
+              <a:pPr algn="ctr"/>
+              <a:endParaRPr lang="hu-HU"/>
+            </a:p>
+          </p:txBody>
+        </p:sp>
+        <p:sp>
+          <p:nvSpPr>
+            <p:cNvPr id="29" name="Téglalap 28"/>
+            <p:cNvSpPr/>
+            <p:nvPr/>
+          </p:nvSpPr>
+          <p:spPr>
+            <a:xfrm>
+              <a:off x="3923928" y="4600990"/>
+              <a:ext cx="432048" cy="772226"/>
+            </a:xfrm>
+            <a:prstGeom prst="rect">
+              <a:avLst/>
+            </a:prstGeom>
+            <a:noFill/>
+            <a:ln w="38100">
+              <a:solidFill>
+                <a:schemeClr val="bg1">
+                  <a:lumMod val="85000"/>
+                </a:schemeClr>
+              </a:solidFill>
+            </a:ln>
+          </p:spPr>
+          <p:style>
+            <a:lnRef idx="2">
+              <a:schemeClr val="accent1">
+                <a:shade val="50000"/>
+              </a:schemeClr>
+            </a:lnRef>
+            <a:fillRef idx="1">
+              <a:schemeClr val="accent1"/>
+            </a:fillRef>
+            <a:effectRef idx="0">
+              <a:schemeClr val="accent1"/>
+            </a:effectRef>
+            <a:fontRef idx="minor">
+              <a:schemeClr val="lt1"/>
+            </a:fontRef>
+          </p:style>
+          <p:txBody>
+            <a:bodyPr rtlCol="0" anchor="ctr"/>
+            <a:lstStyle/>
+            <a:p>
+              <a:pPr algn="ctr"/>
+              <a:endParaRPr lang="hu-HU"/>
+            </a:p>
+          </p:txBody>
+        </p:sp>
+        <p:sp>
+          <p:nvSpPr>
+            <p:cNvPr id="30" name="Téglalap 29"/>
+            <p:cNvSpPr/>
+            <p:nvPr/>
+          </p:nvSpPr>
+          <p:spPr>
+            <a:xfrm>
+              <a:off x="4355976" y="4600990"/>
+              <a:ext cx="432048" cy="772226"/>
+            </a:xfrm>
+            <a:prstGeom prst="rect">
+              <a:avLst/>
+            </a:prstGeom>
+            <a:noFill/>
+            <a:ln w="38100">
+              <a:solidFill>
+                <a:schemeClr val="bg1">
+                  <a:lumMod val="85000"/>
+                </a:schemeClr>
+              </a:solidFill>
+            </a:ln>
+          </p:spPr>
+          <p:style>
+            <a:lnRef idx="2">
+              <a:schemeClr val="accent1">
+                <a:shade val="50000"/>
+              </a:schemeClr>
+            </a:lnRef>
+            <a:fillRef idx="1">
+              <a:schemeClr val="accent1"/>
+            </a:fillRef>
+            <a:effectRef idx="0">
+              <a:schemeClr val="accent1"/>
+            </a:effectRef>
+            <a:fontRef idx="minor">
+              <a:schemeClr val="lt1"/>
+            </a:fontRef>
+          </p:style>
+          <p:txBody>
+            <a:bodyPr rtlCol="0" anchor="ctr"/>
+            <a:lstStyle/>
+            <a:p>
+              <a:pPr algn="ctr"/>
+              <a:endParaRPr lang="hu-HU"/>
+            </a:p>
+          </p:txBody>
+        </p:sp>
+        <p:sp>
+          <p:nvSpPr>
+            <p:cNvPr id="31" name="Téglalap 30"/>
+            <p:cNvSpPr/>
+            <p:nvPr/>
+          </p:nvSpPr>
+          <p:spPr>
+            <a:xfrm>
+              <a:off x="4788024" y="4600990"/>
+              <a:ext cx="432048" cy="772226"/>
+            </a:xfrm>
+            <a:prstGeom prst="rect">
+              <a:avLst/>
+            </a:prstGeom>
+            <a:noFill/>
+            <a:ln w="38100">
+              <a:solidFill>
+                <a:schemeClr val="bg1">
+                  <a:lumMod val="85000"/>
+                </a:schemeClr>
+              </a:solidFill>
+            </a:ln>
+          </p:spPr>
+          <p:style>
+            <a:lnRef idx="2">
+              <a:schemeClr val="accent1">
+                <a:shade val="50000"/>
+              </a:schemeClr>
+            </a:lnRef>
+            <a:fillRef idx="1">
+              <a:schemeClr val="accent1"/>
+            </a:fillRef>
+            <a:effectRef idx="0">
+              <a:schemeClr val="accent1"/>
+            </a:effectRef>
+            <a:fontRef idx="minor">
+              <a:schemeClr val="lt1"/>
+            </a:fontRef>
+          </p:style>
+          <p:txBody>
+            <a:bodyPr rtlCol="0" anchor="ctr"/>
+            <a:lstStyle/>
+            <a:p>
+              <a:pPr algn="ctr"/>
+              <a:endParaRPr lang="hu-HU"/>
+            </a:p>
+          </p:txBody>
+        </p:sp>
+        <p:sp>
+          <p:nvSpPr>
+            <p:cNvPr id="33" name="Téglalap 32"/>
+            <p:cNvSpPr/>
+            <p:nvPr/>
+          </p:nvSpPr>
+          <p:spPr>
+            <a:xfrm>
+              <a:off x="5220072" y="4600990"/>
+              <a:ext cx="432048" cy="772226"/>
+            </a:xfrm>
+            <a:prstGeom prst="rect">
+              <a:avLst/>
+            </a:prstGeom>
+            <a:noFill/>
+            <a:ln w="38100">
+              <a:solidFill>
+                <a:schemeClr val="bg1">
+                  <a:lumMod val="85000"/>
+                </a:schemeClr>
+              </a:solidFill>
+            </a:ln>
+          </p:spPr>
+          <p:style>
+            <a:lnRef idx="2">
+              <a:schemeClr val="accent1">
+                <a:shade val="50000"/>
+              </a:schemeClr>
+            </a:lnRef>
+            <a:fillRef idx="1">
+              <a:schemeClr val="accent1"/>
+            </a:fillRef>
+            <a:effectRef idx="0">
+              <a:schemeClr val="accent1"/>
+            </a:effectRef>
+            <a:fontRef idx="minor">
+              <a:schemeClr val="lt1"/>
+            </a:fontRef>
+          </p:style>
+          <p:txBody>
+            <a:bodyPr rtlCol="0" anchor="ctr"/>
+            <a:lstStyle/>
+            <a:p>
+              <a:pPr algn="ctr"/>
+              <a:endParaRPr lang="hu-HU"/>
+            </a:p>
+          </p:txBody>
+        </p:sp>
+        <p:sp>
+          <p:nvSpPr>
+            <p:cNvPr id="34" name="Téglalap 33"/>
+            <p:cNvSpPr/>
+            <p:nvPr/>
+          </p:nvSpPr>
+          <p:spPr>
+            <a:xfrm>
+              <a:off x="5652120" y="4600990"/>
+              <a:ext cx="432048" cy="772226"/>
+            </a:xfrm>
+            <a:prstGeom prst="rect">
+              <a:avLst/>
+            </a:prstGeom>
+            <a:noFill/>
+            <a:ln w="38100">
+              <a:solidFill>
+                <a:schemeClr val="bg1">
+                  <a:lumMod val="85000"/>
+                </a:schemeClr>
+              </a:solidFill>
+            </a:ln>
+          </p:spPr>
+          <p:style>
+            <a:lnRef idx="2">
+              <a:schemeClr val="accent1">
+                <a:shade val="50000"/>
+              </a:schemeClr>
+            </a:lnRef>
+            <a:fillRef idx="1">
+              <a:schemeClr val="accent1"/>
+            </a:fillRef>
+            <a:effectRef idx="0">
+              <a:schemeClr val="accent1"/>
+            </a:effectRef>
+            <a:fontRef idx="minor">
+              <a:schemeClr val="lt1"/>
+            </a:fontRef>
+          </p:style>
+          <p:txBody>
+            <a:bodyPr rtlCol="0" anchor="ctr"/>
+            <a:lstStyle/>
+            <a:p>
+              <a:pPr algn="ctr"/>
+              <a:endParaRPr lang="hu-HU"/>
+            </a:p>
+          </p:txBody>
+        </p:sp>
+        <p:sp>
+          <p:nvSpPr>
+            <p:cNvPr id="35" name="Téglalap 34"/>
+            <p:cNvSpPr/>
+            <p:nvPr/>
+          </p:nvSpPr>
+          <p:spPr>
+            <a:xfrm>
+              <a:off x="6084168" y="4600990"/>
+              <a:ext cx="432048" cy="772226"/>
+            </a:xfrm>
+            <a:prstGeom prst="rect">
+              <a:avLst/>
+            </a:prstGeom>
+            <a:noFill/>
+            <a:ln w="38100">
+              <a:solidFill>
+                <a:schemeClr val="bg1">
+                  <a:lumMod val="85000"/>
+                </a:schemeClr>
+              </a:solidFill>
+            </a:ln>
+          </p:spPr>
+          <p:style>
+            <a:lnRef idx="2">
+              <a:schemeClr val="accent1">
+                <a:shade val="50000"/>
+              </a:schemeClr>
+            </a:lnRef>
+            <a:fillRef idx="1">
+              <a:schemeClr val="accent1"/>
+            </a:fillRef>
+            <a:effectRef idx="0">
+              <a:schemeClr val="accent1"/>
+            </a:effectRef>
+            <a:fontRef idx="minor">
+              <a:schemeClr val="lt1"/>
+            </a:fontRef>
+          </p:style>
+          <p:txBody>
+            <a:bodyPr rtlCol="0" anchor="ctr"/>
+            <a:lstStyle/>
+            <a:p>
+              <a:pPr algn="ctr"/>
+              <a:endParaRPr lang="hu-HU"/>
+            </a:p>
+          </p:txBody>
+        </p:sp>
+      </p:grpSp>
+      <p:sp>
+        <p:nvSpPr>
+          <p:cNvPr id="37" name="Téglalap 36"/>
+          <p:cNvSpPr/>
+          <p:nvPr/>
+        </p:nvSpPr>
+        <p:spPr>
+          <a:xfrm>
+            <a:off x="3851920" y="5373216"/>
+            <a:ext cx="4123245" cy="1046440"/>
+          </a:xfrm>
+          <a:prstGeom prst="rect">
+            <a:avLst/>
+          </a:prstGeom>
+        </p:spPr>
+        <p:txBody>
+          <a:bodyPr wrap="none">
+            <a:spAutoFit/>
+          </a:bodyPr>
+          <a:lstStyle/>
+          <a:p>
+            <a:pPr algn="ctr"/>
+            <a:r>
+              <a:rPr lang="hu-HU" sz="6200" b="1" dirty="0">
+                <a:latin typeface="Consolas" panose="020B0609020204030204" pitchFamily="49" charset="0"/>
+                <a:cs typeface="Consolas" panose="020B0609020204030204" pitchFamily="49" charset="0"/>
+              </a:rPr>
+              <a:t>-</a:t>
+            </a:r>
+            <a:r>
+              <a:rPr lang="hu-HU" sz="6200" b="1" dirty="0" smtClean="0">
+                <a:latin typeface="Consolas" panose="020B0609020204030204" pitchFamily="49" charset="0"/>
+                <a:cs typeface="Consolas" panose="020B0609020204030204" pitchFamily="49" charset="0"/>
+              </a:rPr>
+              <a:t>1.3--</a:t>
+            </a:r>
+            <a:r>
+              <a:rPr lang="hu-HU" sz="6200" b="1" dirty="0">
+                <a:latin typeface="Consolas" panose="020B0609020204030204" pitchFamily="49" charset="0"/>
+                <a:cs typeface="Consolas" panose="020B0609020204030204" pitchFamily="49" charset="0"/>
+              </a:rPr>
+              <a:t>1.7</a:t>
+            </a:r>
+          </a:p>
+        </p:txBody>
+      </p:sp>
+      <p:sp>
+        <p:nvSpPr>
+          <p:cNvPr id="32" name="Téglalap 31"/>
+          <p:cNvSpPr/>
+          <p:nvPr/>
+        </p:nvSpPr>
+        <p:spPr>
+          <a:xfrm>
+            <a:off x="3985906" y="5510323"/>
+            <a:ext cx="410202" cy="772226"/>
+          </a:xfrm>
+          <a:prstGeom prst="rect">
+            <a:avLst/>
+          </a:prstGeom>
+          <a:noFill/>
+          <a:ln w="38100">
+            <a:solidFill>
+              <a:srgbClr val="FF0000"/>
+            </a:solidFill>
+          </a:ln>
+        </p:spPr>
+        <p:style>
+          <a:lnRef idx="2">
+            <a:schemeClr val="accent1">
+              <a:shade val="50000"/>
+            </a:schemeClr>
+          </a:lnRef>
+          <a:fillRef idx="1">
+            <a:schemeClr val="accent1"/>
+          </a:fillRef>
+          <a:effectRef idx="0">
+            <a:schemeClr val="accent1"/>
+          </a:effectRef>
+          <a:fontRef idx="minor">
+            <a:schemeClr val="lt1"/>
+          </a:fontRef>
+        </p:style>
+        <p:txBody>
+          <a:bodyPr rtlCol="0" anchor="ctr"/>
+          <a:lstStyle/>
+          <a:p>
+            <a:pPr algn="ctr"/>
+            <a:endParaRPr lang="hu-HU"/>
           </a:p>
         </p:txBody>
       </p:sp>
